--- a/docs/install_cypress.pptx
+++ b/docs/install_cypress.pptx
@@ -14,6 +14,8 @@
     <p:sldId id="263" r:id="rId8"/>
     <p:sldId id="262" r:id="rId9"/>
     <p:sldId id="264" r:id="rId10"/>
+    <p:sldId id="265" r:id="rId11"/>
+    <p:sldId id="266" r:id="rId12"/>
   </p:sldIdLst>
   <p:sldSz cx="12192000" cy="6858000"/>
   <p:notesSz cx="6858000" cy="9144000"/>
@@ -269,7 +271,7 @@
           <a:p>
             <a:fld id="{CD03D26D-423B-4425-AF8B-5BB3B07B46A4}" type="datetimeFigureOut">
               <a:rPr lang="es-MX" smtClean="0"/>
-              <a:t>30/08/2024</a:t>
+              <a:t>09/09/2024</a:t>
             </a:fld>
             <a:endParaRPr lang="es-MX"/>
           </a:p>
@@ -469,7 +471,7 @@
           <a:p>
             <a:fld id="{CD03D26D-423B-4425-AF8B-5BB3B07B46A4}" type="datetimeFigureOut">
               <a:rPr lang="es-MX" smtClean="0"/>
-              <a:t>30/08/2024</a:t>
+              <a:t>09/09/2024</a:t>
             </a:fld>
             <a:endParaRPr lang="es-MX"/>
           </a:p>
@@ -679,7 +681,7 @@
           <a:p>
             <a:fld id="{CD03D26D-423B-4425-AF8B-5BB3B07B46A4}" type="datetimeFigureOut">
               <a:rPr lang="es-MX" smtClean="0"/>
-              <a:t>30/08/2024</a:t>
+              <a:t>09/09/2024</a:t>
             </a:fld>
             <a:endParaRPr lang="es-MX"/>
           </a:p>
@@ -879,7 +881,7 @@
           <a:p>
             <a:fld id="{CD03D26D-423B-4425-AF8B-5BB3B07B46A4}" type="datetimeFigureOut">
               <a:rPr lang="es-MX" smtClean="0"/>
-              <a:t>30/08/2024</a:t>
+              <a:t>09/09/2024</a:t>
             </a:fld>
             <a:endParaRPr lang="es-MX"/>
           </a:p>
@@ -1155,7 +1157,7 @@
           <a:p>
             <a:fld id="{CD03D26D-423B-4425-AF8B-5BB3B07B46A4}" type="datetimeFigureOut">
               <a:rPr lang="es-MX" smtClean="0"/>
-              <a:t>30/08/2024</a:t>
+              <a:t>09/09/2024</a:t>
             </a:fld>
             <a:endParaRPr lang="es-MX"/>
           </a:p>
@@ -1423,7 +1425,7 @@
           <a:p>
             <a:fld id="{CD03D26D-423B-4425-AF8B-5BB3B07B46A4}" type="datetimeFigureOut">
               <a:rPr lang="es-MX" smtClean="0"/>
-              <a:t>30/08/2024</a:t>
+              <a:t>09/09/2024</a:t>
             </a:fld>
             <a:endParaRPr lang="es-MX"/>
           </a:p>
@@ -1838,7 +1840,7 @@
           <a:p>
             <a:fld id="{CD03D26D-423B-4425-AF8B-5BB3B07B46A4}" type="datetimeFigureOut">
               <a:rPr lang="es-MX" smtClean="0"/>
-              <a:t>30/08/2024</a:t>
+              <a:t>09/09/2024</a:t>
             </a:fld>
             <a:endParaRPr lang="es-MX"/>
           </a:p>
@@ -1980,7 +1982,7 @@
           <a:p>
             <a:fld id="{CD03D26D-423B-4425-AF8B-5BB3B07B46A4}" type="datetimeFigureOut">
               <a:rPr lang="es-MX" smtClean="0"/>
-              <a:t>30/08/2024</a:t>
+              <a:t>09/09/2024</a:t>
             </a:fld>
             <a:endParaRPr lang="es-MX"/>
           </a:p>
@@ -2093,7 +2095,7 @@
           <a:p>
             <a:fld id="{CD03D26D-423B-4425-AF8B-5BB3B07B46A4}" type="datetimeFigureOut">
               <a:rPr lang="es-MX" smtClean="0"/>
-              <a:t>30/08/2024</a:t>
+              <a:t>09/09/2024</a:t>
             </a:fld>
             <a:endParaRPr lang="es-MX"/>
           </a:p>
@@ -2406,7 +2408,7 @@
           <a:p>
             <a:fld id="{CD03D26D-423B-4425-AF8B-5BB3B07B46A4}" type="datetimeFigureOut">
               <a:rPr lang="es-MX" smtClean="0"/>
-              <a:t>30/08/2024</a:t>
+              <a:t>09/09/2024</a:t>
             </a:fld>
             <a:endParaRPr lang="es-MX"/>
           </a:p>
@@ -2695,7 +2697,7 @@
           <a:p>
             <a:fld id="{CD03D26D-423B-4425-AF8B-5BB3B07B46A4}" type="datetimeFigureOut">
               <a:rPr lang="es-MX" smtClean="0"/>
-              <a:t>30/08/2024</a:t>
+              <a:t>09/09/2024</a:t>
             </a:fld>
             <a:endParaRPr lang="es-MX"/>
           </a:p>
@@ -2938,7 +2940,7 @@
           <a:p>
             <a:fld id="{CD03D26D-423B-4425-AF8B-5BB3B07B46A4}" type="datetimeFigureOut">
               <a:rPr lang="es-MX" smtClean="0"/>
-              <a:t>30/08/2024</a:t>
+              <a:t>09/09/2024</a:t>
             </a:fld>
             <a:endParaRPr lang="es-MX"/>
           </a:p>
@@ -3376,7 +3378,15 @@
           <a:bodyPr/>
           <a:lstStyle/>
           <a:p>
-            <a:endParaRPr lang="es-MX"/>
+            <a:r>
+              <a:rPr lang="es-MX" dirty="0"/>
+              <a:t>JS</a:t>
+            </a:r>
+            <a:r>
+              <a:rPr lang="en-US" dirty="0"/>
+              <a:t>-Cypress</a:t>
+            </a:r>
+            <a:endParaRPr lang="es-MX" dirty="0"/>
           </a:p>
         </p:txBody>
       </p:sp>
@@ -3401,7 +3411,7 @@
           <a:bodyPr/>
           <a:lstStyle/>
           <a:p>
-            <a:endParaRPr lang="es-MX"/>
+            <a:endParaRPr lang="es-MX" dirty="0"/>
           </a:p>
         </p:txBody>
       </p:sp>
@@ -3409,6 +3419,701 @@
     <p:extLst>
       <p:ext uri="{BB962C8B-B14F-4D97-AF65-F5344CB8AC3E}">
         <p14:creationId xmlns:p14="http://schemas.microsoft.com/office/powerpoint/2010/main" val="997149000"/>
+      </p:ext>
+    </p:extLst>
+  </p:cSld>
+  <p:clrMapOvr>
+    <a:masterClrMapping/>
+  </p:clrMapOvr>
+</p:sld>
+</file>
+
+<file path=ppt/slides/slide10.xml><?xml version="1.0" encoding="utf-8"?>
+<p:sld xmlns:a="http://schemas.openxmlformats.org/drawingml/2006/main" xmlns:r="http://schemas.openxmlformats.org/officeDocument/2006/relationships" xmlns:p="http://schemas.openxmlformats.org/presentationml/2006/main">
+  <p:cSld>
+    <p:spTree>
+      <p:nvGrpSpPr>
+        <p:cNvPr id="1" name=""/>
+        <p:cNvGrpSpPr/>
+        <p:nvPr/>
+      </p:nvGrpSpPr>
+      <p:grpSpPr>
+        <a:xfrm>
+          <a:off x="0" y="0"/>
+          <a:ext cx="0" cy="0"/>
+          <a:chOff x="0" y="0"/>
+          <a:chExt cx="0" cy="0"/>
+        </a:xfrm>
+      </p:grpSpPr>
+      <p:sp>
+        <p:nvSpPr>
+          <p:cNvPr id="4" name="CuadroTexto 3">
+            <a:extLst>
+              <a:ext uri="{FF2B5EF4-FFF2-40B4-BE49-F238E27FC236}">
+                <a16:creationId xmlns:a16="http://schemas.microsoft.com/office/drawing/2014/main" id="{FBAB12A8-60CF-E373-704A-343EDDBADC01}"/>
+              </a:ext>
+            </a:extLst>
+          </p:cNvPr>
+          <p:cNvSpPr txBox="1"/>
+          <p:nvPr/>
+        </p:nvSpPr>
+        <p:spPr>
+          <a:xfrm>
+            <a:off x="461912" y="923330"/>
+            <a:ext cx="11208471" cy="4893647"/>
+          </a:xfrm>
+          <a:prstGeom prst="rect">
+            <a:avLst/>
+          </a:prstGeom>
+          <a:noFill/>
+        </p:spPr>
+        <p:txBody>
+          <a:bodyPr wrap="square" rtlCol="0">
+            <a:spAutoFit/>
+          </a:bodyPr>
+          <a:lstStyle/>
+          <a:p>
+            <a:pPr lvl="2" algn="just"/>
+            <a:r>
+              <a:rPr lang="es-MX" sz="2400" b="1" dirty="0" err="1"/>
+              <a:t>npx</a:t>
+            </a:r>
+            <a:r>
+              <a:rPr lang="es-MX" sz="2400" b="1" dirty="0"/>
+              <a:t> </a:t>
+            </a:r>
+            <a:r>
+              <a:rPr lang="es-MX" sz="2400" b="1" dirty="0" err="1"/>
+              <a:t>cypress</a:t>
+            </a:r>
+            <a:r>
+              <a:rPr lang="es-MX" sz="2400" b="1" dirty="0"/>
+              <a:t> run --</a:t>
+            </a:r>
+            <a:r>
+              <a:rPr lang="es-MX" sz="2400" b="1" dirty="0" err="1"/>
+              <a:t>spec</a:t>
+            </a:r>
+            <a:r>
+              <a:rPr lang="es-MX" sz="2400" b="1" dirty="0"/>
+              <a:t> "</a:t>
+            </a:r>
+            <a:r>
+              <a:rPr lang="es-MX" sz="2400" b="1" dirty="0" err="1"/>
+              <a:t>cypress</a:t>
+            </a:r>
+            <a:r>
+              <a:rPr lang="es-MX" sz="2400" b="1" dirty="0"/>
+              <a:t>/e2e/</a:t>
+            </a:r>
+            <a:r>
+              <a:rPr lang="es-MX" sz="2400" b="1" dirty="0" err="1"/>
+              <a:t>freeRange</a:t>
+            </a:r>
+            <a:r>
+              <a:rPr lang="es-MX" sz="2400" b="1" dirty="0"/>
+              <a:t>/home-page.cy.js“</a:t>
+            </a:r>
+          </a:p>
+          <a:p>
+            <a:pPr lvl="2" algn="just"/>
+            <a:endParaRPr lang="es-MX" sz="2400" b="1" dirty="0"/>
+          </a:p>
+          <a:p>
+            <a:pPr lvl="2" algn="just"/>
+            <a:r>
+              <a:rPr lang="es-MX" sz="2400" b="1" dirty="0" err="1"/>
+              <a:t>npx</a:t>
+            </a:r>
+            <a:r>
+              <a:rPr lang="es-MX" sz="2400" b="1" dirty="0"/>
+              <a:t> </a:t>
+            </a:r>
+            <a:r>
+              <a:rPr lang="es-MX" sz="2400" b="1" dirty="0" err="1"/>
+              <a:t>cypress</a:t>
+            </a:r>
+            <a:r>
+              <a:rPr lang="es-MX" sz="2400" b="1" dirty="0"/>
+              <a:t> run --</a:t>
+            </a:r>
+            <a:r>
+              <a:rPr lang="es-MX" sz="2400" b="1" dirty="0" err="1"/>
+              <a:t>spec</a:t>
+            </a:r>
+            <a:r>
+              <a:rPr lang="es-MX" sz="2400" b="1" dirty="0"/>
+              <a:t> "</a:t>
+            </a:r>
+            <a:r>
+              <a:rPr lang="es-MX" sz="2400" b="1" dirty="0" err="1"/>
+              <a:t>cypress</a:t>
+            </a:r>
+            <a:r>
+              <a:rPr lang="es-MX" sz="2400" b="1" dirty="0"/>
+              <a:t>/e2e/</a:t>
+            </a:r>
+            <a:r>
+              <a:rPr lang="es-MX" sz="2400" b="1" dirty="0" err="1"/>
+              <a:t>freeRange</a:t>
+            </a:r>
+            <a:r>
+              <a:rPr lang="es-MX" sz="2400" b="1" dirty="0"/>
+              <a:t>/home-page.cy.js" --browser </a:t>
+            </a:r>
+            <a:r>
+              <a:rPr lang="es-MX" sz="2400" b="1" dirty="0" err="1"/>
+              <a:t>chrome</a:t>
+            </a:r>
+            <a:endParaRPr lang="es-MX" sz="2400" b="1" dirty="0"/>
+          </a:p>
+          <a:p>
+            <a:pPr lvl="2" algn="just"/>
+            <a:endParaRPr lang="es-MX" sz="2400" b="1" dirty="0">
+              <a:solidFill>
+                <a:srgbClr val="FF0000"/>
+              </a:solidFill>
+            </a:endParaRPr>
+          </a:p>
+          <a:p>
+            <a:pPr lvl="2" algn="just"/>
+            <a:endParaRPr lang="es-MX" sz="2400" b="1" dirty="0">
+              <a:solidFill>
+                <a:srgbClr val="FF0000"/>
+              </a:solidFill>
+            </a:endParaRPr>
+          </a:p>
+          <a:p>
+            <a:pPr lvl="2" algn="just"/>
+            <a:r>
+              <a:rPr lang="es-MX" sz="2400" b="1" dirty="0">
+                <a:solidFill>
+                  <a:srgbClr val="FF0000"/>
+                </a:solidFill>
+              </a:rPr>
+              <a:t>En </a:t>
+            </a:r>
+            <a:r>
+              <a:rPr lang="es-MX" sz="2400" b="1" dirty="0" err="1">
+                <a:solidFill>
+                  <a:srgbClr val="FF0000"/>
+                </a:solidFill>
+              </a:rPr>
+              <a:t>Package.json</a:t>
+            </a:r>
+            <a:r>
+              <a:rPr lang="es-MX" sz="2400" b="1" dirty="0">
+                <a:solidFill>
+                  <a:srgbClr val="FF0000"/>
+                </a:solidFill>
+              </a:rPr>
+              <a:t> </a:t>
+            </a:r>
+          </a:p>
+          <a:p>
+            <a:pPr lvl="3"/>
+            <a:r>
+              <a:rPr lang="en-US" sz="2400" b="0" dirty="0">
+                <a:solidFill>
+                  <a:srgbClr val="CCCCCC"/>
+                </a:solidFill>
+                <a:effectLst/>
+                <a:latin typeface="Consolas" panose="020B0609020204030204" pitchFamily="49" charset="0"/>
+              </a:rPr>
+              <a:t>  </a:t>
+            </a:r>
+            <a:r>
+              <a:rPr lang="en-US" sz="2400" b="0" dirty="0">
+                <a:solidFill>
+                  <a:srgbClr val="9CDCFE"/>
+                </a:solidFill>
+                <a:effectLst/>
+                <a:latin typeface="Consolas" panose="020B0609020204030204" pitchFamily="49" charset="0"/>
+              </a:rPr>
+              <a:t>"scripts"</a:t>
+            </a:r>
+            <a:r>
+              <a:rPr lang="en-US" sz="2400" b="0" dirty="0">
+                <a:solidFill>
+                  <a:srgbClr val="CCCCCC"/>
+                </a:solidFill>
+                <a:effectLst/>
+                <a:latin typeface="Consolas" panose="020B0609020204030204" pitchFamily="49" charset="0"/>
+              </a:rPr>
+              <a:t>: {</a:t>
+            </a:r>
+          </a:p>
+          <a:p>
+            <a:pPr lvl="3"/>
+            <a:r>
+              <a:rPr lang="en-US" sz="2400" b="0" dirty="0">
+                <a:solidFill>
+                  <a:srgbClr val="CCCCCC"/>
+                </a:solidFill>
+                <a:effectLst/>
+                <a:latin typeface="Consolas" panose="020B0609020204030204" pitchFamily="49" charset="0"/>
+              </a:rPr>
+              <a:t>    </a:t>
+            </a:r>
+            <a:r>
+              <a:rPr lang="en-US" sz="2400" b="0" dirty="0">
+                <a:solidFill>
+                  <a:srgbClr val="9CDCFE"/>
+                </a:solidFill>
+                <a:effectLst/>
+                <a:latin typeface="Consolas" panose="020B0609020204030204" pitchFamily="49" charset="0"/>
+              </a:rPr>
+              <a:t>"</a:t>
+            </a:r>
+            <a:r>
+              <a:rPr lang="en-US" sz="2400" b="0" dirty="0" err="1">
+                <a:solidFill>
+                  <a:srgbClr val="9CDCFE"/>
+                </a:solidFill>
+                <a:effectLst/>
+                <a:latin typeface="Consolas" panose="020B0609020204030204" pitchFamily="49" charset="0"/>
+              </a:rPr>
+              <a:t>cy:run:ch</a:t>
+            </a:r>
+            <a:r>
+              <a:rPr lang="en-US" sz="2400" b="0" dirty="0">
+                <a:solidFill>
+                  <a:srgbClr val="9CDCFE"/>
+                </a:solidFill>
+                <a:effectLst/>
+                <a:latin typeface="Consolas" panose="020B0609020204030204" pitchFamily="49" charset="0"/>
+              </a:rPr>
+              <a:t>"</a:t>
+            </a:r>
+            <a:r>
+              <a:rPr lang="en-US" sz="2400" b="0" dirty="0">
+                <a:solidFill>
+                  <a:srgbClr val="CCCCCC"/>
+                </a:solidFill>
+                <a:effectLst/>
+                <a:latin typeface="Consolas" panose="020B0609020204030204" pitchFamily="49" charset="0"/>
+              </a:rPr>
+              <a:t>: </a:t>
+            </a:r>
+            <a:r>
+              <a:rPr lang="en-US" sz="2400" b="0" dirty="0">
+                <a:solidFill>
+                  <a:srgbClr val="CE9178"/>
+                </a:solidFill>
+                <a:effectLst/>
+                <a:latin typeface="Consolas" panose="020B0609020204030204" pitchFamily="49" charset="0"/>
+              </a:rPr>
+              <a:t>"cypress run -b chrome"</a:t>
+            </a:r>
+            <a:r>
+              <a:rPr lang="en-US" sz="2400" b="0" dirty="0">
+                <a:solidFill>
+                  <a:srgbClr val="CCCCCC"/>
+                </a:solidFill>
+                <a:effectLst/>
+                <a:latin typeface="Consolas" panose="020B0609020204030204" pitchFamily="49" charset="0"/>
+              </a:rPr>
+              <a:t>,</a:t>
+            </a:r>
+          </a:p>
+          <a:p>
+            <a:pPr lvl="3"/>
+            <a:r>
+              <a:rPr lang="en-US" sz="2400" b="0" dirty="0">
+                <a:solidFill>
+                  <a:srgbClr val="CCCCCC"/>
+                </a:solidFill>
+                <a:effectLst/>
+                <a:latin typeface="Consolas" panose="020B0609020204030204" pitchFamily="49" charset="0"/>
+              </a:rPr>
+              <a:t>    </a:t>
+            </a:r>
+            <a:r>
+              <a:rPr lang="en-US" sz="2400" b="0" dirty="0">
+                <a:solidFill>
+                  <a:srgbClr val="9CDCFE"/>
+                </a:solidFill>
+                <a:effectLst/>
+                <a:latin typeface="Consolas" panose="020B0609020204030204" pitchFamily="49" charset="0"/>
+              </a:rPr>
+              <a:t>"</a:t>
+            </a:r>
+            <a:r>
+              <a:rPr lang="en-US" sz="2400" b="0" dirty="0" err="1">
+                <a:solidFill>
+                  <a:srgbClr val="9CDCFE"/>
+                </a:solidFill>
+                <a:effectLst/>
+                <a:latin typeface="Consolas" panose="020B0609020204030204" pitchFamily="49" charset="0"/>
+              </a:rPr>
+              <a:t>cy:run:ed</a:t>
+            </a:r>
+            <a:r>
+              <a:rPr lang="en-US" sz="2400" b="0" dirty="0">
+                <a:solidFill>
+                  <a:srgbClr val="9CDCFE"/>
+                </a:solidFill>
+                <a:effectLst/>
+                <a:latin typeface="Consolas" panose="020B0609020204030204" pitchFamily="49" charset="0"/>
+              </a:rPr>
+              <a:t>"</a:t>
+            </a:r>
+            <a:r>
+              <a:rPr lang="en-US" sz="2400" b="0" dirty="0">
+                <a:solidFill>
+                  <a:srgbClr val="CCCCCC"/>
+                </a:solidFill>
+                <a:effectLst/>
+                <a:latin typeface="Consolas" panose="020B0609020204030204" pitchFamily="49" charset="0"/>
+              </a:rPr>
+              <a:t>: </a:t>
+            </a:r>
+            <a:r>
+              <a:rPr lang="en-US" sz="2400" b="0" dirty="0">
+                <a:solidFill>
+                  <a:srgbClr val="CE9178"/>
+                </a:solidFill>
+                <a:effectLst/>
+                <a:latin typeface="Consolas" panose="020B0609020204030204" pitchFamily="49" charset="0"/>
+              </a:rPr>
+              <a:t>"cypress run -b edge"</a:t>
+            </a:r>
+            <a:endParaRPr lang="en-US" sz="2400" b="0" dirty="0">
+              <a:solidFill>
+                <a:srgbClr val="CCCCCC"/>
+              </a:solidFill>
+              <a:effectLst/>
+              <a:latin typeface="Consolas" panose="020B0609020204030204" pitchFamily="49" charset="0"/>
+            </a:endParaRPr>
+          </a:p>
+          <a:p>
+            <a:pPr lvl="3"/>
+            <a:r>
+              <a:rPr lang="en-US" sz="2400" b="0" dirty="0">
+                <a:solidFill>
+                  <a:srgbClr val="CCCCCC"/>
+                </a:solidFill>
+                <a:effectLst/>
+                <a:latin typeface="Consolas" panose="020B0609020204030204" pitchFamily="49" charset="0"/>
+              </a:rPr>
+              <a:t>  }</a:t>
+            </a:r>
+          </a:p>
+          <a:p>
+            <a:pPr lvl="2" algn="just"/>
+            <a:r>
+              <a:rPr lang="es-MX" sz="2400" b="1" dirty="0">
+                <a:solidFill>
+                  <a:srgbClr val="FF0000"/>
+                </a:solidFill>
+              </a:rPr>
+              <a:t>Se corre entonces con: </a:t>
+            </a:r>
+          </a:p>
+          <a:p>
+            <a:pPr lvl="2" algn="just"/>
+            <a:r>
+              <a:rPr lang="es-MX" sz="2400" b="1" dirty="0">
+                <a:solidFill>
+                  <a:srgbClr val="FF0000"/>
+                </a:solidFill>
+              </a:rPr>
+              <a:t>	</a:t>
+            </a:r>
+            <a:r>
+              <a:rPr lang="en-US" sz="2400" b="1" dirty="0" err="1"/>
+              <a:t>npm</a:t>
+            </a:r>
+            <a:r>
+              <a:rPr lang="en-US" sz="2400" b="1" dirty="0"/>
+              <a:t> run </a:t>
+            </a:r>
+            <a:r>
+              <a:rPr lang="en-US" sz="2400" b="1" dirty="0" err="1"/>
+              <a:t>cy:run:ch</a:t>
+            </a:r>
+            <a:endParaRPr lang="es-MX" sz="2400" b="1" dirty="0"/>
+          </a:p>
+        </p:txBody>
+      </p:sp>
+      <p:sp>
+        <p:nvSpPr>
+          <p:cNvPr id="2" name="Rectángulo 1">
+            <a:extLst>
+              <a:ext uri="{FF2B5EF4-FFF2-40B4-BE49-F238E27FC236}">
+                <a16:creationId xmlns:a16="http://schemas.microsoft.com/office/drawing/2014/main" id="{E95F838F-9D2D-4500-CCD7-F05B3A6F840C}"/>
+              </a:ext>
+            </a:extLst>
+          </p:cNvPr>
+          <p:cNvSpPr/>
+          <p:nvPr/>
+        </p:nvSpPr>
+        <p:spPr>
+          <a:xfrm>
+            <a:off x="264652" y="18357"/>
+            <a:ext cx="12080103" cy="923330"/>
+          </a:xfrm>
+          <a:prstGeom prst="rect">
+            <a:avLst/>
+          </a:prstGeom>
+          <a:noFill/>
+        </p:spPr>
+        <p:txBody>
+          <a:bodyPr wrap="none" lIns="91440" tIns="45720" rIns="91440" bIns="45720">
+            <a:spAutoFit/>
+          </a:bodyPr>
+          <a:lstStyle/>
+          <a:p>
+            <a:pPr algn="ctr"/>
+            <a:r>
+              <a:rPr lang="es-MX" sz="5400" dirty="0">
+                <a:ln w="0"/>
+                <a:solidFill>
+                  <a:schemeClr val="accent1"/>
+                </a:solidFill>
+                <a:effectLst>
+                  <a:outerShdw blurRad="38100" dist="25400" dir="5400000" algn="ctr" rotWithShape="0">
+                    <a:srgbClr val="6E747A">
+                      <a:alpha val="43000"/>
+                    </a:srgbClr>
+                  </a:outerShdw>
+                </a:effectLst>
+              </a:rPr>
+              <a:t>Correr la pruebas desde línea de comando</a:t>
+            </a:r>
+            <a:endParaRPr lang="es-MX" sz="5400" b="0" cap="none" spc="0" dirty="0">
+              <a:ln w="0"/>
+              <a:solidFill>
+                <a:schemeClr val="accent1"/>
+              </a:solidFill>
+              <a:effectLst>
+                <a:outerShdw blurRad="38100" dist="25400" dir="5400000" algn="ctr" rotWithShape="0">
+                  <a:srgbClr val="6E747A">
+                    <a:alpha val="43000"/>
+                  </a:srgbClr>
+                </a:outerShdw>
+              </a:effectLst>
+            </a:endParaRPr>
+          </a:p>
+        </p:txBody>
+      </p:sp>
+    </p:spTree>
+    <p:extLst>
+      <p:ext uri="{BB962C8B-B14F-4D97-AF65-F5344CB8AC3E}">
+        <p14:creationId xmlns:p14="http://schemas.microsoft.com/office/powerpoint/2010/main" val="2795150489"/>
+      </p:ext>
+    </p:extLst>
+  </p:cSld>
+  <p:clrMapOvr>
+    <a:masterClrMapping/>
+  </p:clrMapOvr>
+</p:sld>
+</file>
+
+<file path=ppt/slides/slide11.xml><?xml version="1.0" encoding="utf-8"?>
+<p:sld xmlns:a="http://schemas.openxmlformats.org/drawingml/2006/main" xmlns:r="http://schemas.openxmlformats.org/officeDocument/2006/relationships" xmlns:p="http://schemas.openxmlformats.org/presentationml/2006/main">
+  <p:cSld>
+    <p:spTree>
+      <p:nvGrpSpPr>
+        <p:cNvPr id="1" name=""/>
+        <p:cNvGrpSpPr/>
+        <p:nvPr/>
+      </p:nvGrpSpPr>
+      <p:grpSpPr>
+        <a:xfrm>
+          <a:off x="0" y="0"/>
+          <a:ext cx="0" cy="0"/>
+          <a:chOff x="0" y="0"/>
+          <a:chExt cx="0" cy="0"/>
+        </a:xfrm>
+      </p:grpSpPr>
+      <p:sp>
+        <p:nvSpPr>
+          <p:cNvPr id="4" name="CuadroTexto 3">
+            <a:extLst>
+              <a:ext uri="{FF2B5EF4-FFF2-40B4-BE49-F238E27FC236}">
+                <a16:creationId xmlns:a16="http://schemas.microsoft.com/office/drawing/2014/main" id="{FBAB12A8-60CF-E373-704A-343EDDBADC01}"/>
+              </a:ext>
+            </a:extLst>
+          </p:cNvPr>
+          <p:cNvSpPr txBox="1"/>
+          <p:nvPr/>
+        </p:nvSpPr>
+        <p:spPr>
+          <a:xfrm>
+            <a:off x="461912" y="923330"/>
+            <a:ext cx="11208471" cy="1938992"/>
+          </a:xfrm>
+          <a:prstGeom prst="rect">
+            <a:avLst/>
+          </a:prstGeom>
+          <a:noFill/>
+        </p:spPr>
+        <p:txBody>
+          <a:bodyPr wrap="square" rtlCol="0">
+            <a:spAutoFit/>
+          </a:bodyPr>
+          <a:lstStyle/>
+          <a:p>
+            <a:pPr lvl="2" algn="just"/>
+            <a:r>
+              <a:rPr lang="es-MX" sz="2400" dirty="0"/>
+              <a:t>En </a:t>
+            </a:r>
+            <a:r>
+              <a:rPr lang="es-MX" sz="2400" dirty="0" err="1"/>
+              <a:t>cypress</a:t>
+            </a:r>
+            <a:r>
+              <a:rPr lang="es-MX" sz="2400" dirty="0"/>
+              <a:t> </a:t>
+            </a:r>
+            <a:r>
+              <a:rPr lang="es-MX" sz="2400" b="1" dirty="0"/>
+              <a:t>por defecto </a:t>
+            </a:r>
+            <a:r>
+              <a:rPr lang="es-MX" sz="2400" dirty="0"/>
+              <a:t>solo podemos usar </a:t>
+            </a:r>
+          </a:p>
+          <a:p>
+            <a:pPr lvl="2" algn="just"/>
+            <a:r>
+              <a:rPr lang="es-MX" sz="2400" dirty="0"/>
+              <a:t>	</a:t>
+            </a:r>
+            <a:r>
+              <a:rPr lang="es-MX" sz="2400" dirty="0" err="1">
+                <a:solidFill>
+                  <a:srgbClr val="FF0000"/>
+                </a:solidFill>
+              </a:rPr>
+              <a:t>Css</a:t>
+            </a:r>
+            <a:r>
+              <a:rPr lang="en-US" sz="2400" dirty="0">
+                <a:solidFill>
+                  <a:srgbClr val="FF0000"/>
+                </a:solidFill>
+              </a:rPr>
+              <a:t>-</a:t>
+            </a:r>
+            <a:r>
+              <a:rPr lang="es-MX" sz="2400" dirty="0">
+                <a:solidFill>
+                  <a:srgbClr val="FF0000"/>
+                </a:solidFill>
+              </a:rPr>
+              <a:t>selector </a:t>
+            </a:r>
+          </a:p>
+          <a:p>
+            <a:pPr lvl="2" algn="just"/>
+            <a:endParaRPr lang="es-MX" sz="2400" dirty="0">
+              <a:solidFill>
+                <a:srgbClr val="FF0000"/>
+              </a:solidFill>
+            </a:endParaRPr>
+          </a:p>
+          <a:p>
+            <a:pPr lvl="2" algn="just"/>
+            <a:r>
+              <a:rPr lang="es-MX" sz="2400" dirty="0"/>
+              <a:t>Un </a:t>
+            </a:r>
+            <a:r>
+              <a:rPr lang="es-MX" sz="2400" dirty="0" err="1"/>
+              <a:t>css</a:t>
+            </a:r>
+            <a:r>
+              <a:rPr lang="es-MX" sz="2400" dirty="0"/>
+              <a:t> selector puede ser id, </a:t>
+            </a:r>
+            <a:r>
+              <a:rPr lang="es-MX" sz="2400" dirty="0" err="1"/>
+              <a:t>name</a:t>
+            </a:r>
+            <a:r>
+              <a:rPr lang="es-MX" sz="2400" dirty="0"/>
+              <a:t>, un atributo, la clase … </a:t>
+            </a:r>
+          </a:p>
+          <a:p>
+            <a:pPr lvl="2" algn="just"/>
+            <a:endParaRPr lang="es-MX" sz="2400" dirty="0">
+              <a:solidFill>
+                <a:srgbClr val="FF0000"/>
+              </a:solidFill>
+            </a:endParaRPr>
+          </a:p>
+        </p:txBody>
+      </p:sp>
+      <p:sp>
+        <p:nvSpPr>
+          <p:cNvPr id="2" name="Rectángulo 1">
+            <a:extLst>
+              <a:ext uri="{FF2B5EF4-FFF2-40B4-BE49-F238E27FC236}">
+                <a16:creationId xmlns:a16="http://schemas.microsoft.com/office/drawing/2014/main" id="{E95F838F-9D2D-4500-CCD7-F05B3A6F840C}"/>
+              </a:ext>
+            </a:extLst>
+          </p:cNvPr>
+          <p:cNvSpPr/>
+          <p:nvPr/>
+        </p:nvSpPr>
+        <p:spPr>
+          <a:xfrm>
+            <a:off x="521617" y="0"/>
+            <a:ext cx="2288127" cy="923330"/>
+          </a:xfrm>
+          <a:prstGeom prst="rect">
+            <a:avLst/>
+          </a:prstGeom>
+          <a:noFill/>
+        </p:spPr>
+        <p:txBody>
+          <a:bodyPr wrap="none" lIns="91440" tIns="45720" rIns="91440" bIns="45720">
+            <a:spAutoFit/>
+          </a:bodyPr>
+          <a:lstStyle/>
+          <a:p>
+            <a:pPr algn="ctr"/>
+            <a:r>
+              <a:rPr lang="es-MX" sz="5400" dirty="0" err="1">
+                <a:ln w="0"/>
+                <a:solidFill>
+                  <a:schemeClr val="accent1"/>
+                </a:solidFill>
+                <a:effectLst>
+                  <a:outerShdw blurRad="38100" dist="25400" dir="5400000" algn="ctr" rotWithShape="0">
+                    <a:srgbClr val="6E747A">
+                      <a:alpha val="43000"/>
+                    </a:srgbClr>
+                  </a:outerShdw>
+                </a:effectLst>
+              </a:rPr>
+              <a:t>Locator</a:t>
+            </a:r>
+            <a:endParaRPr lang="es-MX" sz="5400" b="0" cap="none" spc="0" dirty="0">
+              <a:ln w="0"/>
+              <a:solidFill>
+                <a:schemeClr val="accent1"/>
+              </a:solidFill>
+              <a:effectLst>
+                <a:outerShdw blurRad="38100" dist="25400" dir="5400000" algn="ctr" rotWithShape="0">
+                  <a:srgbClr val="6E747A">
+                    <a:alpha val="43000"/>
+                  </a:srgbClr>
+                </a:outerShdw>
+              </a:effectLst>
+            </a:endParaRPr>
+          </a:p>
+        </p:txBody>
+      </p:sp>
+    </p:spTree>
+    <p:extLst>
+      <p:ext uri="{BB962C8B-B14F-4D97-AF65-F5344CB8AC3E}">
+        <p14:creationId xmlns:p14="http://schemas.microsoft.com/office/powerpoint/2010/main" val="3805807856"/>
       </p:ext>
     </p:extLst>
   </p:cSld>
